--- a/NantoNBai/nanto-n-bai-template.pptx
+++ b/NantoNBai/nanto-n-bai-template.pptx
@@ -4493,6 +4493,26 @@
           <a:bodyPr/>
           <a:lstStyle/>
           <a:p>
+            <a:r>
+              <a:rPr kumimoji="1" lang="ja-JP" altLang="en-US" dirty="0"/>
+              <a:t>なんと</a:t>
+            </a:r>
+            <a:r>
+              <a:rPr kumimoji="1" lang="en-US" altLang="ja-JP" dirty="0"/>
+              <a:t>{}</a:t>
+            </a:r>
+            <a:r>
+              <a:rPr kumimoji="1" lang="ja-JP" altLang="en-US" dirty="0"/>
+              <a:t>が</a:t>
+            </a:r>
+            <a:r>
+              <a:rPr kumimoji="1" lang="en-US" altLang="ja-JP" dirty="0"/>
+              <a:t>{}</a:t>
+            </a:r>
+            <a:r>
+              <a:rPr kumimoji="1" lang="ja-JP" altLang="en-US"/>
+              <a:t>倍に！</a:t>
+            </a:r>
             <a:endParaRPr kumimoji="1" lang="ja-JP" altLang="en-US" dirty="0"/>
           </a:p>
         </p:txBody>

--- a/NantoNBai/nanto-n-bai-template.pptx
+++ b/NantoNBai/nanto-n-bai-template.pptx
@@ -104,6 +104,11 @@
       </a:defRPr>
     </a:lvl9pPr>
   </p:defaultTextStyle>
+  <p:extLst>
+    <p:ext uri="{EFAFB233-063F-42B5-8137-9DF3F51BA10A}">
+      <p15:sldGuideLst xmlns:p15="http://schemas.microsoft.com/office/powerpoint/2012/main"/>
+    </p:ext>
+  </p:extLst>
 </p:presentation>
 </file>
 
@@ -1117,7 +1122,7 @@
           <a:p>
             <a:fld id="{27C68100-8D67-4B90-A73A-CC464530F445}" type="datetimeFigureOut">
               <a:rPr kumimoji="1" lang="ja-JP" altLang="en-US" smtClean="0"/>
-              <a:t>2023/9/28</a:t>
+              <a:t>2023/12/20</a:t>
             </a:fld>
             <a:endParaRPr kumimoji="1" lang="ja-JP" altLang="en-US"/>
           </a:p>
@@ -1347,7 +1352,7 @@
           <a:p>
             <a:fld id="{27C68100-8D67-4B90-A73A-CC464530F445}" type="datetimeFigureOut">
               <a:rPr kumimoji="1" lang="ja-JP" altLang="en-US" smtClean="0"/>
-              <a:t>2023/9/28</a:t>
+              <a:t>2023/12/20</a:t>
             </a:fld>
             <a:endParaRPr kumimoji="1" lang="ja-JP" altLang="en-US"/>
           </a:p>
@@ -1587,7 +1592,7 @@
           <a:p>
             <a:fld id="{27C68100-8D67-4B90-A73A-CC464530F445}" type="datetimeFigureOut">
               <a:rPr kumimoji="1" lang="ja-JP" altLang="en-US" smtClean="0"/>
-              <a:t>2023/9/28</a:t>
+              <a:t>2023/12/20</a:t>
             </a:fld>
             <a:endParaRPr kumimoji="1" lang="ja-JP" altLang="en-US"/>
           </a:p>
@@ -1817,7 +1822,7 @@
           <a:p>
             <a:fld id="{27C68100-8D67-4B90-A73A-CC464530F445}" type="datetimeFigureOut">
               <a:rPr kumimoji="1" lang="ja-JP" altLang="en-US" smtClean="0"/>
-              <a:t>2023/9/28</a:t>
+              <a:t>2023/12/20</a:t>
             </a:fld>
             <a:endParaRPr kumimoji="1" lang="ja-JP" altLang="en-US"/>
           </a:p>
@@ -2092,7 +2097,7 @@
           <a:p>
             <a:fld id="{27C68100-8D67-4B90-A73A-CC464530F445}" type="datetimeFigureOut">
               <a:rPr kumimoji="1" lang="ja-JP" altLang="en-US" smtClean="0"/>
-              <a:t>2023/9/28</a:t>
+              <a:t>2023/12/20</a:t>
             </a:fld>
             <a:endParaRPr kumimoji="1" lang="ja-JP" altLang="en-US"/>
           </a:p>
@@ -2421,7 +2426,7 @@
           <a:p>
             <a:fld id="{27C68100-8D67-4B90-A73A-CC464530F445}" type="datetimeFigureOut">
               <a:rPr kumimoji="1" lang="ja-JP" altLang="en-US" smtClean="0"/>
-              <a:t>2023/9/28</a:t>
+              <a:t>2023/12/20</a:t>
             </a:fld>
             <a:endParaRPr kumimoji="1" lang="ja-JP" altLang="en-US"/>
           </a:p>
@@ -2897,7 +2902,7 @@
           <a:p>
             <a:fld id="{27C68100-8D67-4B90-A73A-CC464530F445}" type="datetimeFigureOut">
               <a:rPr kumimoji="1" lang="ja-JP" altLang="en-US" smtClean="0"/>
-              <a:t>2023/9/28</a:t>
+              <a:t>2023/12/20</a:t>
             </a:fld>
             <a:endParaRPr kumimoji="1" lang="ja-JP" altLang="en-US"/>
           </a:p>
@@ -3038,7 +3043,7 @@
           <a:p>
             <a:fld id="{27C68100-8D67-4B90-A73A-CC464530F445}" type="datetimeFigureOut">
               <a:rPr kumimoji="1" lang="ja-JP" altLang="en-US" smtClean="0"/>
-              <a:t>2023/9/28</a:t>
+              <a:t>2023/12/20</a:t>
             </a:fld>
             <a:endParaRPr kumimoji="1" lang="ja-JP" altLang="en-US"/>
           </a:p>
@@ -3151,7 +3156,7 @@
           <a:p>
             <a:fld id="{27C68100-8D67-4B90-A73A-CC464530F445}" type="datetimeFigureOut">
               <a:rPr kumimoji="1" lang="ja-JP" altLang="en-US" smtClean="0"/>
-              <a:t>2023/9/28</a:t>
+              <a:t>2023/12/20</a:t>
             </a:fld>
             <a:endParaRPr kumimoji="1" lang="ja-JP" altLang="en-US"/>
           </a:p>
@@ -3494,7 +3499,7 @@
           <a:p>
             <a:fld id="{27C68100-8D67-4B90-A73A-CC464530F445}" type="datetimeFigureOut">
               <a:rPr kumimoji="1" lang="ja-JP" altLang="en-US" smtClean="0"/>
-              <a:t>2023/9/28</a:t>
+              <a:t>2023/12/20</a:t>
             </a:fld>
             <a:endParaRPr kumimoji="1" lang="ja-JP" altLang="en-US"/>
           </a:p>
@@ -3782,7 +3787,7 @@
           <a:p>
             <a:fld id="{27C68100-8D67-4B90-A73A-CC464530F445}" type="datetimeFigureOut">
               <a:rPr kumimoji="1" lang="ja-JP" altLang="en-US" smtClean="0"/>
-              <a:t>2023/9/28</a:t>
+              <a:t>2023/12/20</a:t>
             </a:fld>
             <a:endParaRPr kumimoji="1" lang="ja-JP" altLang="en-US"/>
           </a:p>
@@ -4055,7 +4060,7 @@
           <a:p>
             <a:fld id="{27C68100-8D67-4B90-A73A-CC464530F445}" type="datetimeFigureOut">
               <a:rPr kumimoji="1" lang="ja-JP" altLang="en-US" smtClean="0"/>
-              <a:t>2023/9/28</a:t>
+              <a:t>2023/12/20</a:t>
             </a:fld>
             <a:endParaRPr kumimoji="1" lang="ja-JP" altLang="en-US"/>
           </a:p>
@@ -4494,24 +4499,8 @@
           <a:lstStyle/>
           <a:p>
             <a:r>
-              <a:rPr kumimoji="1" lang="ja-JP" altLang="en-US" dirty="0"/>
-              <a:t>なんと</a:t>
-            </a:r>
-            <a:r>
-              <a:rPr kumimoji="1" lang="en-US" altLang="ja-JP" dirty="0"/>
-              <a:t>{}</a:t>
-            </a:r>
-            <a:r>
-              <a:rPr kumimoji="1" lang="ja-JP" altLang="en-US" dirty="0"/>
-              <a:t>が</a:t>
-            </a:r>
-            <a:r>
-              <a:rPr kumimoji="1" lang="en-US" altLang="ja-JP" dirty="0"/>
-              <a:t>{}</a:t>
-            </a:r>
-            <a:r>
-              <a:rPr kumimoji="1" lang="ja-JP" altLang="en-US"/>
-              <a:t>倍に！</a:t>
+              <a:rPr kumimoji="1" lang="en-US" altLang="ja-JP"/>
+              <a:t>title</a:t>
             </a:r>
             <a:endParaRPr kumimoji="1" lang="ja-JP" altLang="en-US" dirty="0"/>
           </a:p>
